--- a/Entregaveis/Guia Implementacao IPS Brasil/ArquiteturaFHIR.pptx
+++ b/Entregaveis/Guia Implementacao IPS Brasil/ArquiteturaFHIR.pptx
@@ -5,7 +5,7 @@
     <p:sldMasterId id="2147483648" r:id="rId1"/>
   </p:sldMasterIdLst>
   <p:notesMasterIdLst>
-    <p:notesMasterId r:id="rId13"/>
+    <p:notesMasterId r:id="rId15"/>
   </p:notesMasterIdLst>
   <p:sldIdLst>
     <p:sldId id="256" r:id="rId2"/>
@@ -19,6 +19,8 @@
     <p:sldId id="264" r:id="rId10"/>
     <p:sldId id="265" r:id="rId11"/>
     <p:sldId id="266" r:id="rId12"/>
+    <p:sldId id="268" r:id="rId13"/>
+    <p:sldId id="267" r:id="rId14"/>
   </p:sldIdLst>
   <p:sldSz cx="12192000" cy="6858000"/>
   <p:notesSz cx="6858000" cy="9144000"/>
@@ -3710,8 +3712,8 @@
         </p:nvSpPr>
         <p:spPr>
           <a:xfrm>
-            <a:off x="6983637" y="2644185"/>
-            <a:ext cx="862445" cy="1200329"/>
+            <a:off x="6452868" y="2644185"/>
+            <a:ext cx="1722523" cy="923330"/>
           </a:xfrm>
           <a:prstGeom prst="rect">
             <a:avLst/>
@@ -3726,6 +3728,7 @@
           </a:bodyPr>
           <a:lstStyle/>
           <a:p>
+            <a:pPr algn="ctr"/>
             <a:r>
               <a:rPr lang="en-US" dirty="0" err="1"/>
               <a:t>Coletar</a:t>
@@ -3734,6 +3737,8 @@
               <a:rPr lang="en-US" dirty="0"/>
               <a:t> dados da RNDS</a:t>
             </a:r>
+          </a:p>
+          <a:p>
             <a:endParaRPr lang="en-BR" dirty="0"/>
           </a:p>
         </p:txBody>
@@ -3846,8 +3851,8 @@
         </p:nvSpPr>
         <p:spPr>
           <a:xfrm>
-            <a:off x="969941" y="3926786"/>
-            <a:ext cx="2523507" cy="1771154"/>
+            <a:off x="969941" y="3865851"/>
+            <a:ext cx="3730317" cy="1832089"/>
           </a:xfrm>
           <a:prstGeom prst="rect">
             <a:avLst/>
@@ -3855,6 +3860,9 @@
           <a:solidFill>
             <a:schemeClr val="bg1"/>
           </a:solidFill>
+          <a:ln>
+            <a:noFill/>
+          </a:ln>
         </p:spPr>
         <p:style>
           <a:lnRef idx="2">
@@ -3895,8 +3903,8 @@
         </p:nvSpPr>
         <p:spPr>
           <a:xfrm>
-            <a:off x="4700258" y="3704360"/>
-            <a:ext cx="1236518" cy="922266"/>
+            <a:off x="4367283" y="3704360"/>
+            <a:ext cx="1769663" cy="922266"/>
           </a:xfrm>
           <a:prstGeom prst="ellipse">
             <a:avLst/>
@@ -4046,10 +4054,186 @@
       </p:sp>
       <p:sp>
         <p:nvSpPr>
-          <p:cNvPr id="12" name="Rectangle 11">
+          <p:cNvPr id="14" name="TextBox 13">
             <a:extLst>
               <a:ext uri="{FF2B5EF4-FFF2-40B4-BE49-F238E27FC236}">
-                <a16:creationId xmlns:a16="http://schemas.microsoft.com/office/drawing/2014/main" id="{096D55DB-F21D-0705-32F7-F9891DAED678}"/>
+                <a16:creationId xmlns:a16="http://schemas.microsoft.com/office/drawing/2014/main" id="{5E4E5C2D-F0A0-D2D6-9476-82FBB9DF6AA1}"/>
+              </a:ext>
+            </a:extLst>
+          </p:cNvPr>
+          <p:cNvSpPr txBox="1"/>
+          <p:nvPr/>
+        </p:nvSpPr>
+        <p:spPr>
+          <a:xfrm>
+            <a:off x="8388040" y="2836287"/>
+            <a:ext cx="1428351" cy="646331"/>
+          </a:xfrm>
+          <a:prstGeom prst="rect">
+            <a:avLst/>
+          </a:prstGeom>
+          <a:solidFill>
+            <a:schemeClr val="bg1"/>
+          </a:solidFill>
+        </p:spPr>
+        <p:txBody>
+          <a:bodyPr wrap="square" rtlCol="0">
+            <a:spAutoFit/>
+          </a:bodyPr>
+          <a:lstStyle/>
+          <a:p>
+            <a:r>
+              <a:rPr lang="en-US" dirty="0"/>
+              <a:t>Fontes de Dados</a:t>
+            </a:r>
+            <a:endParaRPr lang="en-BR" dirty="0"/>
+          </a:p>
+        </p:txBody>
+      </p:sp>
+      <p:sp>
+        <p:nvSpPr>
+          <p:cNvPr id="15" name="TextBox 14">
+            <a:extLst>
+              <a:ext uri="{FF2B5EF4-FFF2-40B4-BE49-F238E27FC236}">
+                <a16:creationId xmlns:a16="http://schemas.microsoft.com/office/drawing/2014/main" id="{9B24CCE1-3D21-58AF-0CF3-843444A230AF}"/>
+              </a:ext>
+            </a:extLst>
+          </p:cNvPr>
+          <p:cNvSpPr txBox="1"/>
+          <p:nvPr/>
+        </p:nvSpPr>
+        <p:spPr>
+          <a:xfrm>
+            <a:off x="10239279" y="3957016"/>
+            <a:ext cx="1163337" cy="738664"/>
+          </a:xfrm>
+          <a:prstGeom prst="rect">
+            <a:avLst/>
+          </a:prstGeom>
+          <a:solidFill>
+            <a:schemeClr val="accent2">
+              <a:lumMod val="60000"/>
+              <a:lumOff val="40000"/>
+            </a:schemeClr>
+          </a:solidFill>
+        </p:spPr>
+        <p:txBody>
+          <a:bodyPr wrap="square" rtlCol="0">
+            <a:spAutoFit/>
+          </a:bodyPr>
+          <a:lstStyle/>
+          <a:p>
+            <a:r>
+              <a:rPr lang="en-US" sz="1400" dirty="0" err="1"/>
+              <a:t>Exames</a:t>
+            </a:r>
+            <a:r>
+              <a:rPr lang="en-US" sz="1400" dirty="0"/>
+              <a:t> Covid e </a:t>
+            </a:r>
+            <a:r>
+              <a:rPr lang="en-US" sz="1400" dirty="0" err="1"/>
+              <a:t>MonkeyPox</a:t>
+            </a:r>
+            <a:endParaRPr lang="en-BR" sz="1400" dirty="0"/>
+          </a:p>
+        </p:txBody>
+      </p:sp>
+      <p:sp>
+        <p:nvSpPr>
+          <p:cNvPr id="16" name="TextBox 15">
+            <a:extLst>
+              <a:ext uri="{FF2B5EF4-FFF2-40B4-BE49-F238E27FC236}">
+                <a16:creationId xmlns:a16="http://schemas.microsoft.com/office/drawing/2014/main" id="{A3354527-BD20-4313-1DA8-B709CB3546C5}"/>
+              </a:ext>
+            </a:extLst>
+          </p:cNvPr>
+          <p:cNvSpPr txBox="1"/>
+          <p:nvPr/>
+        </p:nvSpPr>
+        <p:spPr>
+          <a:xfrm>
+            <a:off x="10213768" y="2912045"/>
+            <a:ext cx="1018204" cy="523220"/>
+          </a:xfrm>
+          <a:prstGeom prst="rect">
+            <a:avLst/>
+          </a:prstGeom>
+          <a:solidFill>
+            <a:schemeClr val="accent2">
+              <a:lumMod val="60000"/>
+              <a:lumOff val="40000"/>
+            </a:schemeClr>
+          </a:solidFill>
+        </p:spPr>
+        <p:txBody>
+          <a:bodyPr wrap="square" rtlCol="0">
+            <a:spAutoFit/>
+          </a:bodyPr>
+          <a:lstStyle/>
+          <a:p>
+            <a:endParaRPr lang="en-US" sz="1400" dirty="0"/>
+          </a:p>
+          <a:p>
+            <a:r>
+              <a:rPr lang="en-US" sz="1400" dirty="0"/>
+              <a:t>PNI</a:t>
+            </a:r>
+            <a:endParaRPr lang="en-BR" sz="1400" dirty="0"/>
+          </a:p>
+        </p:txBody>
+      </p:sp>
+      <p:sp>
+        <p:nvSpPr>
+          <p:cNvPr id="17" name="TextBox 16">
+            <a:extLst>
+              <a:ext uri="{FF2B5EF4-FFF2-40B4-BE49-F238E27FC236}">
+                <a16:creationId xmlns:a16="http://schemas.microsoft.com/office/drawing/2014/main" id="{B060EBD4-3DDC-DB60-3087-54DA1EE8D301}"/>
+              </a:ext>
+            </a:extLst>
+          </p:cNvPr>
+          <p:cNvSpPr txBox="1"/>
+          <p:nvPr/>
+        </p:nvSpPr>
+        <p:spPr>
+          <a:xfrm>
+            <a:off x="10312289" y="1867074"/>
+            <a:ext cx="919683" cy="523220"/>
+          </a:xfrm>
+          <a:prstGeom prst="rect">
+            <a:avLst/>
+          </a:prstGeom>
+          <a:solidFill>
+            <a:schemeClr val="accent2">
+              <a:lumMod val="60000"/>
+              <a:lumOff val="40000"/>
+            </a:schemeClr>
+          </a:solidFill>
+        </p:spPr>
+        <p:txBody>
+          <a:bodyPr wrap="square" rtlCol="0">
+            <a:spAutoFit/>
+          </a:bodyPr>
+          <a:lstStyle/>
+          <a:p>
+            <a:endParaRPr lang="en-US" sz="1400" dirty="0"/>
+          </a:p>
+          <a:p>
+            <a:pPr algn="ctr"/>
+            <a:r>
+              <a:rPr lang="en-US" sz="1400" dirty="0"/>
+              <a:t>CADSUS</a:t>
+            </a:r>
+            <a:endParaRPr lang="en-BR" sz="1400" dirty="0"/>
+          </a:p>
+        </p:txBody>
+      </p:sp>
+      <p:sp>
+        <p:nvSpPr>
+          <p:cNvPr id="18" name="Rectangle 17">
+            <a:extLst>
+              <a:ext uri="{FF2B5EF4-FFF2-40B4-BE49-F238E27FC236}">
+                <a16:creationId xmlns:a16="http://schemas.microsoft.com/office/drawing/2014/main" id="{BC0E982D-3FDC-9FF4-1F2E-EF12A82F7864}"/>
               </a:ext>
             </a:extLst>
           </p:cNvPr>
@@ -4058,12 +4242,18 @@
         </p:nvSpPr>
         <p:spPr>
           <a:xfrm>
-            <a:off x="3857902" y="1415691"/>
-            <a:ext cx="1255594" cy="484184"/>
+            <a:off x="10190463" y="1029256"/>
+            <a:ext cx="1163337" cy="628527"/>
           </a:xfrm>
           <a:prstGeom prst="rect">
             <a:avLst/>
           </a:prstGeom>
+          <a:solidFill>
+            <a:schemeClr val="accent2">
+              <a:lumMod val="40000"/>
+              <a:lumOff val="60000"/>
+            </a:schemeClr>
+          </a:solidFill>
         </p:spPr>
         <p:style>
           <a:lnRef idx="2">
@@ -4087,18 +4277,22 @@
           <a:p>
             <a:pPr algn="ctr"/>
             <a:r>
-              <a:rPr lang="en-BR" dirty="0"/>
-              <a:t>eSUS/PEC</a:t>
-            </a:r>
-          </a:p>
-        </p:txBody>
-      </p:sp>
-      <p:sp>
-        <p:nvSpPr>
-          <p:cNvPr id="13" name="Rectangle 12">
+              <a:rPr lang="en-BR" dirty="0">
+                <a:solidFill>
+                  <a:schemeClr val="tx1"/>
+                </a:solidFill>
+              </a:rPr>
+              <a:t>CNES</a:t>
+            </a:r>
+          </a:p>
+        </p:txBody>
+      </p:sp>
+      <p:sp>
+        <p:nvSpPr>
+          <p:cNvPr id="19" name="Oval 18">
             <a:extLst>
               <a:ext uri="{FF2B5EF4-FFF2-40B4-BE49-F238E27FC236}">
-                <a16:creationId xmlns:a16="http://schemas.microsoft.com/office/drawing/2014/main" id="{FBFDAFB9-6F52-8C74-AF4A-1072BEE3CDA0}"/>
+                <a16:creationId xmlns:a16="http://schemas.microsoft.com/office/drawing/2014/main" id="{D1097D4C-6E87-2758-DAFD-DD5162146AEC}"/>
               </a:ext>
             </a:extLst>
           </p:cNvPr>
@@ -4107,12 +4301,18 @@
         </p:nvSpPr>
         <p:spPr>
           <a:xfrm>
-            <a:off x="5318517" y="1336625"/>
-            <a:ext cx="1476051" cy="484184"/>
-          </a:xfrm>
-          <a:prstGeom prst="rect">
+            <a:off x="3122297" y="2661160"/>
+            <a:ext cx="2224663" cy="1261031"/>
+          </a:xfrm>
+          <a:prstGeom prst="ellipse">
             <a:avLst/>
           </a:prstGeom>
+          <a:solidFill>
+            <a:schemeClr val="bg1"/>
+          </a:solidFill>
+          <a:ln>
+            <a:noFill/>
+          </a:ln>
         </p:spPr>
         <p:style>
           <a:lnRef idx="2">
@@ -4135,29 +4335,26 @@
           <a:lstStyle/>
           <a:p>
             <a:pPr algn="ctr"/>
-            <a:r>
-              <a:rPr lang="en-BR" dirty="0"/>
-              <a:t>ConecteSUS</a:t>
-            </a:r>
-          </a:p>
-        </p:txBody>
-      </p:sp>
-      <p:sp>
-        <p:nvSpPr>
-          <p:cNvPr id="14" name="TextBox 13">
+            <a:endParaRPr lang="en-BR"/>
+          </a:p>
+        </p:txBody>
+      </p:sp>
+      <p:sp>
+        <p:nvSpPr>
+          <p:cNvPr id="20" name="Rectangle 19">
             <a:extLst>
               <a:ext uri="{FF2B5EF4-FFF2-40B4-BE49-F238E27FC236}">
-                <a16:creationId xmlns:a16="http://schemas.microsoft.com/office/drawing/2014/main" id="{5E4E5C2D-F0A0-D2D6-9476-82FBB9DF6AA1}"/>
+                <a16:creationId xmlns:a16="http://schemas.microsoft.com/office/drawing/2014/main" id="{D80190AE-5FA6-C242-511F-2C75E0AEE87F}"/>
               </a:ext>
             </a:extLst>
           </p:cNvPr>
-          <p:cNvSpPr txBox="1"/>
+          <p:cNvSpPr/>
           <p:nvPr/>
         </p:nvSpPr>
         <p:spPr>
           <a:xfrm>
-            <a:off x="8762112" y="2836287"/>
-            <a:ext cx="862445" cy="923330"/>
+            <a:off x="8635852" y="4730964"/>
+            <a:ext cx="1676437" cy="752851"/>
           </a:xfrm>
           <a:prstGeom prst="rect">
             <a:avLst/>
@@ -4165,169 +4362,9 @@
           <a:solidFill>
             <a:schemeClr val="bg1"/>
           </a:solidFill>
-        </p:spPr>
-        <p:txBody>
-          <a:bodyPr wrap="square" rtlCol="0">
-            <a:spAutoFit/>
-          </a:bodyPr>
-          <a:lstStyle/>
-          <a:p>
-            <a:r>
-              <a:rPr lang="en-US" dirty="0"/>
-              <a:t>Fontes de Dados</a:t>
-            </a:r>
-            <a:endParaRPr lang="en-BR" dirty="0"/>
-          </a:p>
-        </p:txBody>
-      </p:sp>
-      <p:sp>
-        <p:nvSpPr>
-          <p:cNvPr id="15" name="TextBox 14">
-            <a:extLst>
-              <a:ext uri="{FF2B5EF4-FFF2-40B4-BE49-F238E27FC236}">
-                <a16:creationId xmlns:a16="http://schemas.microsoft.com/office/drawing/2014/main" id="{9B24CCE1-3D21-58AF-0CF3-843444A230AF}"/>
-              </a:ext>
-            </a:extLst>
-          </p:cNvPr>
-          <p:cNvSpPr txBox="1"/>
-          <p:nvPr/>
-        </p:nvSpPr>
-        <p:spPr>
-          <a:xfrm>
-            <a:off x="10322644" y="3957017"/>
-            <a:ext cx="1236518" cy="523220"/>
-          </a:xfrm>
-          <a:prstGeom prst="rect">
-            <a:avLst/>
-          </a:prstGeom>
-          <a:solidFill>
-            <a:schemeClr val="bg1"/>
-          </a:solidFill>
-        </p:spPr>
-        <p:txBody>
-          <a:bodyPr wrap="square" rtlCol="0">
-            <a:spAutoFit/>
-          </a:bodyPr>
-          <a:lstStyle/>
-          <a:p>
-            <a:r>
-              <a:rPr lang="en-US" sz="1400" dirty="0" err="1"/>
-              <a:t>Exames</a:t>
-            </a:r>
-            <a:r>
-              <a:rPr lang="en-US" sz="1400" dirty="0"/>
-              <a:t> Covid e </a:t>
-            </a:r>
-            <a:r>
-              <a:rPr lang="en-US" sz="1400" dirty="0" err="1"/>
-              <a:t>MonkeyPox</a:t>
-            </a:r>
-            <a:endParaRPr lang="en-BR" sz="1400" dirty="0"/>
-          </a:p>
-        </p:txBody>
-      </p:sp>
-      <p:sp>
-        <p:nvSpPr>
-          <p:cNvPr id="16" name="TextBox 15">
-            <a:extLst>
-              <a:ext uri="{FF2B5EF4-FFF2-40B4-BE49-F238E27FC236}">
-                <a16:creationId xmlns:a16="http://schemas.microsoft.com/office/drawing/2014/main" id="{A3354527-BD20-4313-1DA8-B709CB3546C5}"/>
-              </a:ext>
-            </a:extLst>
-          </p:cNvPr>
-          <p:cNvSpPr txBox="1"/>
-          <p:nvPr/>
-        </p:nvSpPr>
-        <p:spPr>
-          <a:xfrm>
-            <a:off x="10322644" y="3050950"/>
-            <a:ext cx="1236518" cy="307777"/>
-          </a:xfrm>
-          <a:prstGeom prst="rect">
-            <a:avLst/>
-          </a:prstGeom>
-          <a:solidFill>
-            <a:schemeClr val="bg1"/>
-          </a:solidFill>
-        </p:spPr>
-        <p:txBody>
-          <a:bodyPr wrap="square" rtlCol="0">
-            <a:spAutoFit/>
-          </a:bodyPr>
-          <a:lstStyle/>
-          <a:p>
-            <a:r>
-              <a:rPr lang="en-US" sz="1400" dirty="0"/>
-              <a:t>PNI</a:t>
-            </a:r>
-            <a:endParaRPr lang="en-BR" sz="1400" dirty="0"/>
-          </a:p>
-        </p:txBody>
-      </p:sp>
-      <p:sp>
-        <p:nvSpPr>
-          <p:cNvPr id="17" name="TextBox 16">
-            <a:extLst>
-              <a:ext uri="{FF2B5EF4-FFF2-40B4-BE49-F238E27FC236}">
-                <a16:creationId xmlns:a16="http://schemas.microsoft.com/office/drawing/2014/main" id="{B060EBD4-3DDC-DB60-3087-54DA1EE8D301}"/>
-              </a:ext>
-            </a:extLst>
-          </p:cNvPr>
-          <p:cNvSpPr txBox="1"/>
-          <p:nvPr/>
-        </p:nvSpPr>
-        <p:spPr>
-          <a:xfrm>
-            <a:off x="10271481" y="2011081"/>
-            <a:ext cx="1236518" cy="307777"/>
-          </a:xfrm>
-          <a:prstGeom prst="rect">
-            <a:avLst/>
-          </a:prstGeom>
-          <a:solidFill>
-            <a:schemeClr val="bg1"/>
-          </a:solidFill>
-        </p:spPr>
-        <p:txBody>
-          <a:bodyPr wrap="square" rtlCol="0">
-            <a:spAutoFit/>
-          </a:bodyPr>
-          <a:lstStyle/>
-          <a:p>
-            <a:r>
-              <a:rPr lang="en-US" sz="1400" dirty="0"/>
-              <a:t>CADSUS</a:t>
-            </a:r>
-            <a:endParaRPr lang="en-BR" sz="1400" dirty="0"/>
-          </a:p>
-        </p:txBody>
-      </p:sp>
-      <p:sp>
-        <p:nvSpPr>
-          <p:cNvPr id="18" name="Rectangle 17">
-            <a:extLst>
-              <a:ext uri="{FF2B5EF4-FFF2-40B4-BE49-F238E27FC236}">
-                <a16:creationId xmlns:a16="http://schemas.microsoft.com/office/drawing/2014/main" id="{BC0E982D-3FDC-9FF4-1F2E-EF12A82F7864}"/>
-              </a:ext>
-            </a:extLst>
-          </p:cNvPr>
-          <p:cNvSpPr/>
-          <p:nvPr/>
-        </p:nvSpPr>
-        <p:spPr>
-          <a:xfrm>
-            <a:off x="10190463" y="1029256"/>
-            <a:ext cx="1163337" cy="628527"/>
-          </a:xfrm>
-          <a:prstGeom prst="rect">
-            <a:avLst/>
-          </a:prstGeom>
-          <a:solidFill>
-            <a:schemeClr val="accent2">
-              <a:lumMod val="40000"/>
-              <a:lumOff val="60000"/>
-            </a:schemeClr>
-          </a:solidFill>
+          <a:ln>
+            <a:noFill/>
+          </a:ln>
         </p:spPr>
         <p:style>
           <a:lnRef idx="2">
@@ -4350,23 +4387,16 @@
           <a:lstStyle/>
           <a:p>
             <a:pPr algn="ctr"/>
-            <a:r>
-              <a:rPr lang="en-BR" dirty="0">
-                <a:solidFill>
-                  <a:schemeClr val="tx1"/>
-                </a:solidFill>
-              </a:rPr>
-              <a:t>CNES</a:t>
-            </a:r>
-          </a:p>
-        </p:txBody>
-      </p:sp>
-      <p:sp>
-        <p:nvSpPr>
-          <p:cNvPr id="19" name="Oval 18">
+            <a:endParaRPr lang="en-BR"/>
+          </a:p>
+        </p:txBody>
+      </p:sp>
+      <p:sp>
+        <p:nvSpPr>
+          <p:cNvPr id="21" name="Rectangle 20">
             <a:extLst>
               <a:ext uri="{FF2B5EF4-FFF2-40B4-BE49-F238E27FC236}">
-                <a16:creationId xmlns:a16="http://schemas.microsoft.com/office/drawing/2014/main" id="{D1097D4C-6E87-2758-DAFD-DD5162146AEC}"/>
+                <a16:creationId xmlns:a16="http://schemas.microsoft.com/office/drawing/2014/main" id="{D22484FF-7217-88D3-2647-D1F5C34BDEFA}"/>
               </a:ext>
             </a:extLst>
           </p:cNvPr>
@@ -4375,15 +4405,18 @@
         </p:nvSpPr>
         <p:spPr>
           <a:xfrm>
-            <a:off x="3493827" y="2836287"/>
-            <a:ext cx="1722523" cy="1008227"/>
-          </a:xfrm>
-          <a:prstGeom prst="ellipse">
+            <a:off x="4700258" y="4858603"/>
+            <a:ext cx="1395742" cy="300251"/>
+          </a:xfrm>
+          <a:prstGeom prst="rect">
             <a:avLst/>
           </a:prstGeom>
           <a:solidFill>
             <a:schemeClr val="bg1"/>
           </a:solidFill>
+          <a:ln>
+            <a:noFill/>
+          </a:ln>
         </p:spPr>
         <p:style>
           <a:lnRef idx="2">
@@ -4412,10 +4445,10 @@
       </p:sp>
       <p:sp>
         <p:nvSpPr>
-          <p:cNvPr id="20" name="Rectangle 19">
+          <p:cNvPr id="22" name="Rectangle 21">
             <a:extLst>
               <a:ext uri="{FF2B5EF4-FFF2-40B4-BE49-F238E27FC236}">
-                <a16:creationId xmlns:a16="http://schemas.microsoft.com/office/drawing/2014/main" id="{D80190AE-5FA6-C242-511F-2C75E0AEE87F}"/>
+                <a16:creationId xmlns:a16="http://schemas.microsoft.com/office/drawing/2014/main" id="{52DEF9B0-852D-8DF2-69EC-B3D2744179AD}"/>
               </a:ext>
             </a:extLst>
           </p:cNvPr>
@@ -4424,8 +4457,8 @@
         </p:nvSpPr>
         <p:spPr>
           <a:xfrm>
-            <a:off x="8762112" y="4741848"/>
-            <a:ext cx="1428351" cy="752851"/>
+            <a:off x="5049672" y="1132764"/>
+            <a:ext cx="1542197" cy="1057192"/>
           </a:xfrm>
           <a:prstGeom prst="rect">
             <a:avLst/>
@@ -4463,6 +4496,176 @@
     <p:extLst>
       <p:ext uri="{BB962C8B-B14F-4D97-AF65-F5344CB8AC3E}">
         <p14:creationId xmlns:p14="http://schemas.microsoft.com/office/powerpoint/2010/main" val="792272328"/>
+      </p:ext>
+    </p:extLst>
+  </p:cSld>
+  <p:clrMapOvr>
+    <a:masterClrMapping/>
+  </p:clrMapOvr>
+</p:sld>
+</file>
+
+<file path=ppt/slides/slide12.xml><?xml version="1.0" encoding="utf-8"?>
+<p:sld xmlns:a="http://schemas.openxmlformats.org/drawingml/2006/main" xmlns:r="http://schemas.openxmlformats.org/officeDocument/2006/relationships" xmlns:p="http://schemas.openxmlformats.org/presentationml/2006/main">
+  <p:cSld>
+    <p:spTree>
+      <p:nvGrpSpPr>
+        <p:cNvPr id="1" name=""/>
+        <p:cNvGrpSpPr/>
+        <p:nvPr/>
+      </p:nvGrpSpPr>
+      <p:grpSpPr>
+        <a:xfrm>
+          <a:off x="0" y="0"/>
+          <a:ext cx="0" cy="0"/>
+          <a:chOff x="0" y="0"/>
+          <a:chExt cx="0" cy="0"/>
+        </a:xfrm>
+      </p:grpSpPr>
+      <p:sp>
+        <p:nvSpPr>
+          <p:cNvPr id="2" name="Title 1">
+            <a:extLst>
+              <a:ext uri="{FF2B5EF4-FFF2-40B4-BE49-F238E27FC236}">
+                <a16:creationId xmlns:a16="http://schemas.microsoft.com/office/drawing/2014/main" id="{1561F06C-D09D-E60E-BB39-E1718131057D}"/>
+              </a:ext>
+            </a:extLst>
+          </p:cNvPr>
+          <p:cNvSpPr>
+            <a:spLocks noGrp="1"/>
+          </p:cNvSpPr>
+          <p:nvPr>
+            <p:ph type="title"/>
+          </p:nvPr>
+        </p:nvSpPr>
+        <p:spPr/>
+        <p:txBody>
+          <a:bodyPr/>
+          <a:lstStyle/>
+          <a:p>
+            <a:endParaRPr lang="en-BR"/>
+          </a:p>
+        </p:txBody>
+      </p:sp>
+      <p:pic>
+        <p:nvPicPr>
+          <p:cNvPr id="3" name="Picture 2">
+            <a:extLst>
+              <a:ext uri="{FF2B5EF4-FFF2-40B4-BE49-F238E27FC236}">
+                <a16:creationId xmlns:a16="http://schemas.microsoft.com/office/drawing/2014/main" id="{99B92AE9-133A-0007-3AB1-178A74D5AB1D}"/>
+              </a:ext>
+            </a:extLst>
+          </p:cNvPr>
+          <p:cNvPicPr>
+            <a:picLocks noChangeAspect="1"/>
+          </p:cNvPicPr>
+          <p:nvPr/>
+        </p:nvPicPr>
+        <p:blipFill>
+          <a:blip r:embed="rId2"/>
+          <a:stretch>
+            <a:fillRect/>
+          </a:stretch>
+        </p:blipFill>
+        <p:spPr>
+          <a:xfrm>
+            <a:off x="2215959" y="0"/>
+            <a:ext cx="7760082" cy="6858000"/>
+          </a:xfrm>
+          <a:prstGeom prst="rect">
+            <a:avLst/>
+          </a:prstGeom>
+        </p:spPr>
+      </p:pic>
+    </p:spTree>
+    <p:extLst>
+      <p:ext uri="{BB962C8B-B14F-4D97-AF65-F5344CB8AC3E}">
+        <p14:creationId xmlns:p14="http://schemas.microsoft.com/office/powerpoint/2010/main" val="221877074"/>
+      </p:ext>
+    </p:extLst>
+  </p:cSld>
+  <p:clrMapOvr>
+    <a:masterClrMapping/>
+  </p:clrMapOvr>
+</p:sld>
+</file>
+
+<file path=ppt/slides/slide13.xml><?xml version="1.0" encoding="utf-8"?>
+<p:sld xmlns:a="http://schemas.openxmlformats.org/drawingml/2006/main" xmlns:r="http://schemas.openxmlformats.org/officeDocument/2006/relationships" xmlns:p="http://schemas.openxmlformats.org/presentationml/2006/main">
+  <p:cSld>
+    <p:spTree>
+      <p:nvGrpSpPr>
+        <p:cNvPr id="1" name=""/>
+        <p:cNvGrpSpPr/>
+        <p:nvPr/>
+      </p:nvGrpSpPr>
+      <p:grpSpPr>
+        <a:xfrm>
+          <a:off x="0" y="0"/>
+          <a:ext cx="0" cy="0"/>
+          <a:chOff x="0" y="0"/>
+          <a:chExt cx="0" cy="0"/>
+        </a:xfrm>
+      </p:grpSpPr>
+      <p:sp>
+        <p:nvSpPr>
+          <p:cNvPr id="2" name="Title 1">
+            <a:extLst>
+              <a:ext uri="{FF2B5EF4-FFF2-40B4-BE49-F238E27FC236}">
+                <a16:creationId xmlns:a16="http://schemas.microsoft.com/office/drawing/2014/main" id="{3CA53552-D024-EBF1-6331-7D91FBDA4AB9}"/>
+              </a:ext>
+            </a:extLst>
+          </p:cNvPr>
+          <p:cNvSpPr>
+            <a:spLocks noGrp="1"/>
+          </p:cNvSpPr>
+          <p:nvPr>
+            <p:ph type="title"/>
+          </p:nvPr>
+        </p:nvSpPr>
+        <p:spPr/>
+        <p:txBody>
+          <a:bodyPr/>
+          <a:lstStyle/>
+          <a:p>
+            <a:endParaRPr lang="en-BR"/>
+          </a:p>
+        </p:txBody>
+      </p:sp>
+      <p:pic>
+        <p:nvPicPr>
+          <p:cNvPr id="3" name="Picture 2">
+            <a:extLst>
+              <a:ext uri="{FF2B5EF4-FFF2-40B4-BE49-F238E27FC236}">
+                <a16:creationId xmlns:a16="http://schemas.microsoft.com/office/drawing/2014/main" id="{D2AE4688-948B-14C1-9DB1-048625216387}"/>
+              </a:ext>
+            </a:extLst>
+          </p:cNvPr>
+          <p:cNvPicPr>
+            <a:picLocks noChangeAspect="1"/>
+          </p:cNvPicPr>
+          <p:nvPr/>
+        </p:nvPicPr>
+        <p:blipFill>
+          <a:blip r:embed="rId2"/>
+          <a:stretch>
+            <a:fillRect/>
+          </a:stretch>
+        </p:blipFill>
+        <p:spPr>
+          <a:xfrm>
+            <a:off x="2209800" y="1478417"/>
+            <a:ext cx="7772400" cy="3901166"/>
+          </a:xfrm>
+          <a:prstGeom prst="rect">
+            <a:avLst/>
+          </a:prstGeom>
+        </p:spPr>
+      </p:pic>
+    </p:spTree>
+    <p:extLst>
+      <p:ext uri="{BB962C8B-B14F-4D97-AF65-F5344CB8AC3E}">
+        <p14:creationId xmlns:p14="http://schemas.microsoft.com/office/powerpoint/2010/main" val="1247888712"/>
       </p:ext>
     </p:extLst>
   </p:cSld>
